--- a/2 семестр/Управление бизнес-процессами/пр6/пр6.pptx
+++ b/2 семестр/Управление бизнес-процессами/пр6/пр6.pptx
@@ -262,7 +262,7 @@
           <a:p>
             <a:fld id="{590818CE-E134-4AA2-B800-B089D554A721}" type="datetimeFigureOut">
               <a:rPr lang="ru-RU" smtClean="0"/>
-              <a:t>14.04.2024</a:t>
+              <a:t>22.05.2024</a:t>
             </a:fld>
             <a:endParaRPr lang="ru-RU"/>
           </a:p>
@@ -460,7 +460,7 @@
           <a:p>
             <a:fld id="{590818CE-E134-4AA2-B800-B089D554A721}" type="datetimeFigureOut">
               <a:rPr lang="ru-RU" smtClean="0"/>
-              <a:t>14.04.2024</a:t>
+              <a:t>22.05.2024</a:t>
             </a:fld>
             <a:endParaRPr lang="ru-RU"/>
           </a:p>
@@ -668,7 +668,7 @@
           <a:p>
             <a:fld id="{590818CE-E134-4AA2-B800-B089D554A721}" type="datetimeFigureOut">
               <a:rPr lang="ru-RU" smtClean="0"/>
-              <a:t>14.04.2024</a:t>
+              <a:t>22.05.2024</a:t>
             </a:fld>
             <a:endParaRPr lang="ru-RU"/>
           </a:p>
@@ -866,7 +866,7 @@
           <a:p>
             <a:fld id="{590818CE-E134-4AA2-B800-B089D554A721}" type="datetimeFigureOut">
               <a:rPr lang="ru-RU" smtClean="0"/>
-              <a:t>14.04.2024</a:t>
+              <a:t>22.05.2024</a:t>
             </a:fld>
             <a:endParaRPr lang="ru-RU"/>
           </a:p>
@@ -1141,7 +1141,7 @@
           <a:p>
             <a:fld id="{590818CE-E134-4AA2-B800-B089D554A721}" type="datetimeFigureOut">
               <a:rPr lang="ru-RU" smtClean="0"/>
-              <a:t>14.04.2024</a:t>
+              <a:t>22.05.2024</a:t>
             </a:fld>
             <a:endParaRPr lang="ru-RU"/>
           </a:p>
@@ -1406,7 +1406,7 @@
           <a:p>
             <a:fld id="{590818CE-E134-4AA2-B800-B089D554A721}" type="datetimeFigureOut">
               <a:rPr lang="ru-RU" smtClean="0"/>
-              <a:t>14.04.2024</a:t>
+              <a:t>22.05.2024</a:t>
             </a:fld>
             <a:endParaRPr lang="ru-RU"/>
           </a:p>
@@ -1818,7 +1818,7 @@
           <a:p>
             <a:fld id="{590818CE-E134-4AA2-B800-B089D554A721}" type="datetimeFigureOut">
               <a:rPr lang="ru-RU" smtClean="0"/>
-              <a:t>14.04.2024</a:t>
+              <a:t>22.05.2024</a:t>
             </a:fld>
             <a:endParaRPr lang="ru-RU"/>
           </a:p>
@@ -1959,7 +1959,7 @@
           <a:p>
             <a:fld id="{590818CE-E134-4AA2-B800-B089D554A721}" type="datetimeFigureOut">
               <a:rPr lang="ru-RU" smtClean="0"/>
-              <a:t>14.04.2024</a:t>
+              <a:t>22.05.2024</a:t>
             </a:fld>
             <a:endParaRPr lang="ru-RU"/>
           </a:p>
@@ -2072,7 +2072,7 @@
           <a:p>
             <a:fld id="{590818CE-E134-4AA2-B800-B089D554A721}" type="datetimeFigureOut">
               <a:rPr lang="ru-RU" smtClean="0"/>
-              <a:t>14.04.2024</a:t>
+              <a:t>22.05.2024</a:t>
             </a:fld>
             <a:endParaRPr lang="ru-RU"/>
           </a:p>
@@ -2383,7 +2383,7 @@
           <a:p>
             <a:fld id="{590818CE-E134-4AA2-B800-B089D554A721}" type="datetimeFigureOut">
               <a:rPr lang="ru-RU" smtClean="0"/>
-              <a:t>14.04.2024</a:t>
+              <a:t>22.05.2024</a:t>
             </a:fld>
             <a:endParaRPr lang="ru-RU"/>
           </a:p>
@@ -2671,7 +2671,7 @@
           <a:p>
             <a:fld id="{590818CE-E134-4AA2-B800-B089D554A721}" type="datetimeFigureOut">
               <a:rPr lang="ru-RU" smtClean="0"/>
-              <a:t>14.04.2024</a:t>
+              <a:t>22.05.2024</a:t>
             </a:fld>
             <a:endParaRPr lang="ru-RU"/>
           </a:p>
@@ -2912,7 +2912,7 @@
           <a:p>
             <a:fld id="{590818CE-E134-4AA2-B800-B089D554A721}" type="datetimeFigureOut">
               <a:rPr lang="ru-RU" smtClean="0"/>
-              <a:t>14.04.2024</a:t>
+              <a:t>22.05.2024</a:t>
             </a:fld>
             <a:endParaRPr lang="ru-RU"/>
           </a:p>
@@ -3554,13 +3554,7 @@
       </p:sp>
       <p:pic>
         <p:nvPicPr>
-          <p:cNvPr id="5" name="Рисунок 4">
-            <a:extLst>
-              <a:ext uri="{FF2B5EF4-FFF2-40B4-BE49-F238E27FC236}">
-                <a16:creationId xmlns:a16="http://schemas.microsoft.com/office/drawing/2014/main" id="{4F619284-F9C8-3784-703E-6E32324B2475}"/>
-              </a:ext>
-            </a:extLst>
-          </p:cNvPr>
+          <p:cNvPr id="3" name="Рисунок 2"/>
           <p:cNvPicPr>
             <a:picLocks noChangeAspect="1"/>
           </p:cNvPicPr>
@@ -3574,8 +3568,8 @@
         </p:blipFill>
         <p:spPr>
           <a:xfrm>
-            <a:off x="2518066" y="1324902"/>
-            <a:ext cx="7155867" cy="5328818"/>
+            <a:off x="3086100" y="1257084"/>
+            <a:ext cx="6183312" cy="5600916"/>
           </a:xfrm>
           <a:prstGeom prst="rect">
             <a:avLst/>

--- a/2 семестр/Управление бизнес-процессами/пр6/пр6.pptx
+++ b/2 семестр/Управление бизнес-процессами/пр6/пр6.pptx
@@ -262,7 +262,7 @@
           <a:p>
             <a:fld id="{590818CE-E134-4AA2-B800-B089D554A721}" type="datetimeFigureOut">
               <a:rPr lang="ru-RU" smtClean="0"/>
-              <a:t>22.05.2024</a:t>
+              <a:t>24.05.2024</a:t>
             </a:fld>
             <a:endParaRPr lang="ru-RU"/>
           </a:p>
@@ -460,7 +460,7 @@
           <a:p>
             <a:fld id="{590818CE-E134-4AA2-B800-B089D554A721}" type="datetimeFigureOut">
               <a:rPr lang="ru-RU" smtClean="0"/>
-              <a:t>22.05.2024</a:t>
+              <a:t>24.05.2024</a:t>
             </a:fld>
             <a:endParaRPr lang="ru-RU"/>
           </a:p>
@@ -668,7 +668,7 @@
           <a:p>
             <a:fld id="{590818CE-E134-4AA2-B800-B089D554A721}" type="datetimeFigureOut">
               <a:rPr lang="ru-RU" smtClean="0"/>
-              <a:t>22.05.2024</a:t>
+              <a:t>24.05.2024</a:t>
             </a:fld>
             <a:endParaRPr lang="ru-RU"/>
           </a:p>
@@ -866,7 +866,7 @@
           <a:p>
             <a:fld id="{590818CE-E134-4AA2-B800-B089D554A721}" type="datetimeFigureOut">
               <a:rPr lang="ru-RU" smtClean="0"/>
-              <a:t>22.05.2024</a:t>
+              <a:t>24.05.2024</a:t>
             </a:fld>
             <a:endParaRPr lang="ru-RU"/>
           </a:p>
@@ -1141,7 +1141,7 @@
           <a:p>
             <a:fld id="{590818CE-E134-4AA2-B800-B089D554A721}" type="datetimeFigureOut">
               <a:rPr lang="ru-RU" smtClean="0"/>
-              <a:t>22.05.2024</a:t>
+              <a:t>24.05.2024</a:t>
             </a:fld>
             <a:endParaRPr lang="ru-RU"/>
           </a:p>
@@ -1406,7 +1406,7 @@
           <a:p>
             <a:fld id="{590818CE-E134-4AA2-B800-B089D554A721}" type="datetimeFigureOut">
               <a:rPr lang="ru-RU" smtClean="0"/>
-              <a:t>22.05.2024</a:t>
+              <a:t>24.05.2024</a:t>
             </a:fld>
             <a:endParaRPr lang="ru-RU"/>
           </a:p>
@@ -1818,7 +1818,7 @@
           <a:p>
             <a:fld id="{590818CE-E134-4AA2-B800-B089D554A721}" type="datetimeFigureOut">
               <a:rPr lang="ru-RU" smtClean="0"/>
-              <a:t>22.05.2024</a:t>
+              <a:t>24.05.2024</a:t>
             </a:fld>
             <a:endParaRPr lang="ru-RU"/>
           </a:p>
@@ -1959,7 +1959,7 @@
           <a:p>
             <a:fld id="{590818CE-E134-4AA2-B800-B089D554A721}" type="datetimeFigureOut">
               <a:rPr lang="ru-RU" smtClean="0"/>
-              <a:t>22.05.2024</a:t>
+              <a:t>24.05.2024</a:t>
             </a:fld>
             <a:endParaRPr lang="ru-RU"/>
           </a:p>
@@ -2072,7 +2072,7 @@
           <a:p>
             <a:fld id="{590818CE-E134-4AA2-B800-B089D554A721}" type="datetimeFigureOut">
               <a:rPr lang="ru-RU" smtClean="0"/>
-              <a:t>22.05.2024</a:t>
+              <a:t>24.05.2024</a:t>
             </a:fld>
             <a:endParaRPr lang="ru-RU"/>
           </a:p>
@@ -2383,7 +2383,7 @@
           <a:p>
             <a:fld id="{590818CE-E134-4AA2-B800-B089D554A721}" type="datetimeFigureOut">
               <a:rPr lang="ru-RU" smtClean="0"/>
-              <a:t>22.05.2024</a:t>
+              <a:t>24.05.2024</a:t>
             </a:fld>
             <a:endParaRPr lang="ru-RU"/>
           </a:p>
@@ -2671,7 +2671,7 @@
           <a:p>
             <a:fld id="{590818CE-E134-4AA2-B800-B089D554A721}" type="datetimeFigureOut">
               <a:rPr lang="ru-RU" smtClean="0"/>
-              <a:t>22.05.2024</a:t>
+              <a:t>24.05.2024</a:t>
             </a:fld>
             <a:endParaRPr lang="ru-RU"/>
           </a:p>
@@ -2912,7 +2912,7 @@
           <a:p>
             <a:fld id="{590818CE-E134-4AA2-B800-B089D554A721}" type="datetimeFigureOut">
               <a:rPr lang="ru-RU" smtClean="0"/>
-              <a:t>22.05.2024</a:t>
+              <a:t>24.05.2024</a:t>
             </a:fld>
             <a:endParaRPr lang="ru-RU"/>
           </a:p>
@@ -3624,16 +3624,17 @@
         </p:nvSpPr>
         <p:spPr>
           <a:xfrm>
-            <a:off x="1252200" y="861236"/>
-            <a:ext cx="3694889" cy="1325563"/>
+            <a:off x="1196263" y="0"/>
+            <a:ext cx="10089877" cy="1325563"/>
           </a:xfrm>
         </p:spPr>
         <p:txBody>
           <a:bodyPr>
-            <a:normAutofit fontScale="90000"/>
+            <a:normAutofit/>
           </a:bodyPr>
           <a:lstStyle/>
           <a:p>
+            <a:pPr algn="ctr"/>
             <a:r>
               <a:rPr lang="ru-RU" dirty="0"/>
               <a:t>Дерево бизнес-процессов</a:t>
@@ -3643,13 +3644,7 @@
       </p:sp>
       <p:pic>
         <p:nvPicPr>
-          <p:cNvPr id="5" name="Рисунок 4">
-            <a:extLst>
-              <a:ext uri="{FF2B5EF4-FFF2-40B4-BE49-F238E27FC236}">
-                <a16:creationId xmlns:a16="http://schemas.microsoft.com/office/drawing/2014/main" id="{29914422-3A6E-C26A-9222-3B32EB044132}"/>
-              </a:ext>
-            </a:extLst>
-          </p:cNvPr>
+          <p:cNvPr id="3" name="Рисунок 2"/>
           <p:cNvPicPr>
             <a:picLocks noChangeAspect="1"/>
           </p:cNvPicPr>
@@ -3663,8 +3658,8 @@
         </p:blipFill>
         <p:spPr>
           <a:xfrm>
-            <a:off x="6096000" y="214454"/>
-            <a:ext cx="5101254" cy="6429092"/>
+            <a:off x="2355499" y="1002323"/>
+            <a:ext cx="7771406" cy="5374298"/>
           </a:xfrm>
           <a:prstGeom prst="rect">
             <a:avLst/>
@@ -3736,13 +3731,7 @@
       </p:sp>
       <p:pic>
         <p:nvPicPr>
-          <p:cNvPr id="5" name="Рисунок 4">
-            <a:extLst>
-              <a:ext uri="{FF2B5EF4-FFF2-40B4-BE49-F238E27FC236}">
-                <a16:creationId xmlns:a16="http://schemas.microsoft.com/office/drawing/2014/main" id="{306A207A-0E50-6DA6-2CBA-AC7AFD6FCA9D}"/>
-              </a:ext>
-            </a:extLst>
-          </p:cNvPr>
+          <p:cNvPr id="3" name="Рисунок 2"/>
           <p:cNvPicPr>
             <a:picLocks noChangeAspect="1"/>
           </p:cNvPicPr>
@@ -3756,38 +3745,8 @@
         </p:blipFill>
         <p:spPr>
           <a:xfrm>
-            <a:off x="5593405" y="54483"/>
-            <a:ext cx="5558400" cy="3848123"/>
-          </a:xfrm>
-          <a:prstGeom prst="rect">
-            <a:avLst/>
-          </a:prstGeom>
-        </p:spPr>
-      </p:pic>
-      <p:pic>
-        <p:nvPicPr>
-          <p:cNvPr id="7" name="Рисунок 6">
-            <a:extLst>
-              <a:ext uri="{FF2B5EF4-FFF2-40B4-BE49-F238E27FC236}">
-                <a16:creationId xmlns:a16="http://schemas.microsoft.com/office/drawing/2014/main" id="{59A0BDD1-83E9-131A-657E-73DE6DA9F3F3}"/>
-              </a:ext>
-            </a:extLst>
-          </p:cNvPr>
-          <p:cNvPicPr>
-            <a:picLocks noChangeAspect="1"/>
-          </p:cNvPicPr>
-          <p:nvPr/>
-        </p:nvPicPr>
-        <p:blipFill>
-          <a:blip r:embed="rId3"/>
-          <a:stretch>
-            <a:fillRect/>
-          </a:stretch>
-        </p:blipFill>
-        <p:spPr>
-          <a:xfrm>
-            <a:off x="5593405" y="3824784"/>
-            <a:ext cx="5541955" cy="2770978"/>
+            <a:off x="5459291" y="632680"/>
+            <a:ext cx="6496050" cy="5153025"/>
           </a:xfrm>
           <a:prstGeom prst="rect">
             <a:avLst/>

--- a/2 семестр/Управление бизнес-процессами/пр6/пр6.pptx
+++ b/2 семестр/Управление бизнес-процессами/пр6/пр6.pptx
@@ -3539,7 +3539,12 @@
             <p:ph type="title"/>
           </p:nvPr>
         </p:nvSpPr>
-        <p:spPr/>
+        <p:spPr>
+          <a:xfrm>
+            <a:off x="824132" y="0"/>
+            <a:ext cx="10515600" cy="732155"/>
+          </a:xfrm>
+        </p:spPr>
         <p:txBody>
           <a:bodyPr/>
           <a:lstStyle/>
@@ -3554,7 +3559,7 @@
       </p:sp>
       <p:pic>
         <p:nvPicPr>
-          <p:cNvPr id="3" name="Рисунок 2"/>
+          <p:cNvPr id="4" name="Рисунок 3"/>
           <p:cNvPicPr>
             <a:picLocks noChangeAspect="1"/>
           </p:cNvPicPr>
@@ -3568,8 +3573,8 @@
         </p:blipFill>
         <p:spPr>
           <a:xfrm>
-            <a:off x="3086100" y="1257084"/>
-            <a:ext cx="6183312" cy="5600916"/>
+            <a:off x="2838158" y="623570"/>
+            <a:ext cx="6741942" cy="6234430"/>
           </a:xfrm>
           <a:prstGeom prst="rect">
             <a:avLst/>
@@ -3644,7 +3649,7 @@
       </p:sp>
       <p:pic>
         <p:nvPicPr>
-          <p:cNvPr id="3" name="Рисунок 2"/>
+          <p:cNvPr id="4" name="Рисунок 3"/>
           <p:cNvPicPr>
             <a:picLocks noChangeAspect="1"/>
           </p:cNvPicPr>
@@ -3658,8 +3663,8 @@
         </p:blipFill>
         <p:spPr>
           <a:xfrm>
-            <a:off x="2355499" y="1002323"/>
-            <a:ext cx="7771406" cy="5374298"/>
+            <a:off x="2157045" y="879984"/>
+            <a:ext cx="7806832" cy="5902987"/>
           </a:xfrm>
           <a:prstGeom prst="rect">
             <a:avLst/>
@@ -3714,8 +3719,8 @@
         </p:nvSpPr>
         <p:spPr>
           <a:xfrm>
-            <a:off x="546370" y="1347619"/>
-            <a:ext cx="4726021" cy="1325563"/>
+            <a:off x="335354" y="44013"/>
+            <a:ext cx="8475711" cy="1325563"/>
           </a:xfrm>
         </p:spPr>
         <p:txBody>
@@ -3731,7 +3736,7 @@
       </p:sp>
       <p:pic>
         <p:nvPicPr>
-          <p:cNvPr id="3" name="Рисунок 2"/>
+          <p:cNvPr id="4" name="Рисунок 3"/>
           <p:cNvPicPr>
             <a:picLocks noChangeAspect="1"/>
           </p:cNvPicPr>
@@ -3745,8 +3750,8 @@
         </p:blipFill>
         <p:spPr>
           <a:xfrm>
-            <a:off x="5459291" y="632680"/>
-            <a:ext cx="6496050" cy="5153025"/>
+            <a:off x="1118895" y="1119032"/>
+            <a:ext cx="9872662" cy="5738968"/>
           </a:xfrm>
           <a:prstGeom prst="rect">
             <a:avLst/>
